--- a/analysis_presentation_draft.pptx
+++ b/analysis_presentation_draft.pptx
@@ -8,20 +8,19 @@
     <p:sldId id="256" r:id="rId2"/>
     <p:sldId id="264" r:id="rId3"/>
     <p:sldId id="265" r:id="rId4"/>
-    <p:sldId id="270" r:id="rId5"/>
-    <p:sldId id="267" r:id="rId6"/>
-    <p:sldId id="268" r:id="rId7"/>
-    <p:sldId id="258" r:id="rId8"/>
-    <p:sldId id="262" r:id="rId9"/>
-    <p:sldId id="260" r:id="rId10"/>
-    <p:sldId id="259" r:id="rId11"/>
-    <p:sldId id="263" r:id="rId12"/>
-    <p:sldId id="261" r:id="rId13"/>
-    <p:sldId id="269" r:id="rId14"/>
-    <p:sldId id="274" r:id="rId15"/>
-    <p:sldId id="271" r:id="rId16"/>
-    <p:sldId id="272" r:id="rId17"/>
-    <p:sldId id="273" r:id="rId18"/>
+    <p:sldId id="267" r:id="rId5"/>
+    <p:sldId id="268" r:id="rId6"/>
+    <p:sldId id="258" r:id="rId7"/>
+    <p:sldId id="262" r:id="rId8"/>
+    <p:sldId id="260" r:id="rId9"/>
+    <p:sldId id="259" r:id="rId10"/>
+    <p:sldId id="263" r:id="rId11"/>
+    <p:sldId id="261" r:id="rId12"/>
+    <p:sldId id="269" r:id="rId13"/>
+    <p:sldId id="274" r:id="rId14"/>
+    <p:sldId id="271" r:id="rId15"/>
+    <p:sldId id="272" r:id="rId16"/>
+    <p:sldId id="273" r:id="rId17"/>
   </p:sldIdLst>
   <p:sldSz cx="12192000" cy="6858000"/>
   <p:notesSz cx="6858000" cy="9144000"/>
@@ -275,7 +274,7 @@
           <a:p>
             <a:fld id="{24C2F64E-3178-4F27-BD91-A54AA02EA10B}" type="datetimeFigureOut">
               <a:rPr lang="en-US" smtClean="0"/>
-              <a:t>9/7/2022</a:t>
+              <a:t>9/13/2022</a:t>
             </a:fld>
             <a:endParaRPr lang="en-US"/>
           </a:p>
@@ -473,7 +472,7 @@
           <a:p>
             <a:fld id="{24C2F64E-3178-4F27-BD91-A54AA02EA10B}" type="datetimeFigureOut">
               <a:rPr lang="en-US" smtClean="0"/>
-              <a:t>9/7/2022</a:t>
+              <a:t>9/13/2022</a:t>
             </a:fld>
             <a:endParaRPr lang="en-US"/>
           </a:p>
@@ -681,7 +680,7 @@
           <a:p>
             <a:fld id="{24C2F64E-3178-4F27-BD91-A54AA02EA10B}" type="datetimeFigureOut">
               <a:rPr lang="en-US" smtClean="0"/>
-              <a:t>9/7/2022</a:t>
+              <a:t>9/13/2022</a:t>
             </a:fld>
             <a:endParaRPr lang="en-US"/>
           </a:p>
@@ -879,7 +878,7 @@
           <a:p>
             <a:fld id="{24C2F64E-3178-4F27-BD91-A54AA02EA10B}" type="datetimeFigureOut">
               <a:rPr lang="en-US" smtClean="0"/>
-              <a:t>9/7/2022</a:t>
+              <a:t>9/13/2022</a:t>
             </a:fld>
             <a:endParaRPr lang="en-US"/>
           </a:p>
@@ -1154,7 +1153,7 @@
           <a:p>
             <a:fld id="{24C2F64E-3178-4F27-BD91-A54AA02EA10B}" type="datetimeFigureOut">
               <a:rPr lang="en-US" smtClean="0"/>
-              <a:t>9/7/2022</a:t>
+              <a:t>9/13/2022</a:t>
             </a:fld>
             <a:endParaRPr lang="en-US"/>
           </a:p>
@@ -1419,7 +1418,7 @@
           <a:p>
             <a:fld id="{24C2F64E-3178-4F27-BD91-A54AA02EA10B}" type="datetimeFigureOut">
               <a:rPr lang="en-US" smtClean="0"/>
-              <a:t>9/7/2022</a:t>
+              <a:t>9/13/2022</a:t>
             </a:fld>
             <a:endParaRPr lang="en-US"/>
           </a:p>
@@ -1831,7 +1830,7 @@
           <a:p>
             <a:fld id="{24C2F64E-3178-4F27-BD91-A54AA02EA10B}" type="datetimeFigureOut">
               <a:rPr lang="en-US" smtClean="0"/>
-              <a:t>9/7/2022</a:t>
+              <a:t>9/13/2022</a:t>
             </a:fld>
             <a:endParaRPr lang="en-US"/>
           </a:p>
@@ -1972,7 +1971,7 @@
           <a:p>
             <a:fld id="{24C2F64E-3178-4F27-BD91-A54AA02EA10B}" type="datetimeFigureOut">
               <a:rPr lang="en-US" smtClean="0"/>
-              <a:t>9/7/2022</a:t>
+              <a:t>9/13/2022</a:t>
             </a:fld>
             <a:endParaRPr lang="en-US"/>
           </a:p>
@@ -2085,7 +2084,7 @@
           <a:p>
             <a:fld id="{24C2F64E-3178-4F27-BD91-A54AA02EA10B}" type="datetimeFigureOut">
               <a:rPr lang="en-US" smtClean="0"/>
-              <a:t>9/7/2022</a:t>
+              <a:t>9/13/2022</a:t>
             </a:fld>
             <a:endParaRPr lang="en-US"/>
           </a:p>
@@ -2396,7 +2395,7 @@
           <a:p>
             <a:fld id="{24C2F64E-3178-4F27-BD91-A54AA02EA10B}" type="datetimeFigureOut">
               <a:rPr lang="en-US" smtClean="0"/>
-              <a:t>9/7/2022</a:t>
+              <a:t>9/13/2022</a:t>
             </a:fld>
             <a:endParaRPr lang="en-US"/>
           </a:p>
@@ -2684,7 +2683,7 @@
           <a:p>
             <a:fld id="{24C2F64E-3178-4F27-BD91-A54AA02EA10B}" type="datetimeFigureOut">
               <a:rPr lang="en-US" smtClean="0"/>
-              <a:t>9/7/2022</a:t>
+              <a:t>9/13/2022</a:t>
             </a:fld>
             <a:endParaRPr lang="en-US"/>
           </a:p>
@@ -2925,7 +2924,7 @@
           <a:p>
             <a:fld id="{24C2F64E-3178-4F27-BD91-A54AA02EA10B}" type="datetimeFigureOut">
               <a:rPr lang="en-US" smtClean="0"/>
-              <a:t>9/7/2022</a:t>
+              <a:t>9/13/2022</a:t>
             </a:fld>
             <a:endParaRPr lang="en-US"/>
           </a:p>
@@ -3461,17 +3460,6 @@
 <file path=ppt/slides/slide10.xml><?xml version="1.0" encoding="utf-8"?>
 <p:sld xmlns:a="http://schemas.openxmlformats.org/drawingml/2006/main" xmlns:r="http://schemas.openxmlformats.org/officeDocument/2006/relationships" xmlns:p="http://schemas.openxmlformats.org/presentationml/2006/main">
   <p:cSld>
-    <p:bg>
-      <p:bgPr>
-        <a:solidFill>
-          <a:schemeClr val="accent6">
-            <a:lumMod val="40000"/>
-            <a:lumOff val="60000"/>
-          </a:schemeClr>
-        </a:solidFill>
-        <a:effectLst/>
-      </p:bgPr>
-    </p:bg>
     <p:spTree>
       <p:nvGrpSpPr>
         <p:cNvPr id="1" name=""/>
@@ -3488,10 +3476,10 @@
       </p:grpSpPr>
       <p:sp>
         <p:nvSpPr>
-          <p:cNvPr id="2" name="Title 1">
-            <a:extLst>
-              <a:ext uri="{FF2B5EF4-FFF2-40B4-BE49-F238E27FC236}">
-                <a16:creationId xmlns:a16="http://schemas.microsoft.com/office/drawing/2014/main" id="{2E1BFBAA-1CAD-4491-9160-A65F4CA3B7C2}"/>
+          <p:cNvPr id="10" name="Title 9">
+            <a:extLst>
+              <a:ext uri="{FF2B5EF4-FFF2-40B4-BE49-F238E27FC236}">
+                <a16:creationId xmlns:a16="http://schemas.microsoft.com/office/drawing/2014/main" id="{34D47A13-603A-B8C0-25CE-1B585877CA55}"/>
               </a:ext>
             </a:extLst>
           </p:cNvPr>
@@ -3502,19 +3490,105 @@
             <p:ph type="title"/>
           </p:nvPr>
         </p:nvSpPr>
-        <p:spPr/>
-        <p:txBody>
-          <a:bodyPr>
+        <p:spPr>
+          <a:xfrm>
+            <a:off x="326604" y="384175"/>
+            <a:ext cx="11865396" cy="1600200"/>
+          </a:xfrm>
+        </p:spPr>
+        <p:txBody>
+          <a:bodyPr anchor="ctr">
             <a:normAutofit/>
           </a:bodyPr>
           <a:lstStyle/>
           <a:p>
             <a:r>
-              <a:rPr lang="en-US" sz="4000" b="1" dirty="0">
+              <a:rPr lang="en-US" sz="2800" b="1" dirty="0">
                 <a:latin typeface="Arial" panose="020B0604020202020204" pitchFamily="34" charset="0"/>
                 <a:cs typeface="Arial" panose="020B0604020202020204" pitchFamily="34" charset="0"/>
               </a:rPr>
-              <a:t>Differences in Ride Duration</a:t>
+              <a:t>Average Ride Length per Month</a:t>
+            </a:r>
+          </a:p>
+        </p:txBody>
+      </p:sp>
+      <p:pic>
+        <p:nvPicPr>
+          <p:cNvPr id="14" name="Picture Placeholder 13">
+            <a:extLst>
+              <a:ext uri="{FF2B5EF4-FFF2-40B4-BE49-F238E27FC236}">
+                <a16:creationId xmlns:a16="http://schemas.microsoft.com/office/drawing/2014/main" id="{0C4C5B21-0490-20CE-2CCE-FF7A1F9D29E8}"/>
+              </a:ext>
+            </a:extLst>
+          </p:cNvPr>
+          <p:cNvPicPr>
+            <a:picLocks noGrp="1" noChangeAspect="1"/>
+          </p:cNvPicPr>
+          <p:nvPr>
+            <p:ph type="pic" idx="1"/>
+          </p:nvPr>
+        </p:nvPicPr>
+        <p:blipFill>
+          <a:blip r:embed="rId2">
+            <a:extLst>
+              <a:ext uri="{28A0092B-C50C-407E-A947-70E740481C1C}">
+                <a14:useLocalDpi xmlns:a14="http://schemas.microsoft.com/office/drawing/2010/main" val="0"/>
+              </a:ext>
+            </a:extLst>
+          </a:blip>
+          <a:srcRect l="391" r="391"/>
+          <a:stretch/>
+        </p:blipFill>
+        <p:spPr>
+          <a:xfrm>
+            <a:off x="4619625" y="1984375"/>
+            <a:ext cx="7572375" cy="4873625"/>
+          </a:xfrm>
+        </p:spPr>
+      </p:pic>
+      <p:sp>
+        <p:nvSpPr>
+          <p:cNvPr id="12" name="Text Placeholder 11">
+            <a:extLst>
+              <a:ext uri="{FF2B5EF4-FFF2-40B4-BE49-F238E27FC236}">
+                <a16:creationId xmlns:a16="http://schemas.microsoft.com/office/drawing/2014/main" id="{621DE730-63B2-6EFC-2774-5CE40DC9E293}"/>
+              </a:ext>
+            </a:extLst>
+          </p:cNvPr>
+          <p:cNvSpPr>
+            <a:spLocks noGrp="1"/>
+          </p:cNvSpPr>
+          <p:nvPr>
+            <p:ph type="body" sz="half" idx="2"/>
+          </p:nvPr>
+        </p:nvSpPr>
+        <p:spPr>
+          <a:xfrm>
+            <a:off x="326604" y="2515393"/>
+            <a:ext cx="3932237" cy="3811588"/>
+          </a:xfrm>
+        </p:spPr>
+        <p:txBody>
+          <a:bodyPr/>
+          <a:lstStyle/>
+          <a:p>
+            <a:pPr marL="342900" indent="-342900">
+              <a:buFont typeface="Arial" panose="020B0604020202020204" pitchFamily="34" charset="0"/>
+              <a:buChar char="•"/>
+            </a:pPr>
+            <a:r>
+              <a:rPr lang="en-US" dirty="0"/>
+              <a:t>On average, casual riders ride a significantly longer amount of time when compared against riders with memberships.</a:t>
+            </a:r>
+          </a:p>
+          <a:p>
+            <a:pPr marL="342900" indent="-342900">
+              <a:buFont typeface="Arial" panose="020B0604020202020204" pitchFamily="34" charset="0"/>
+              <a:buChar char="•"/>
+            </a:pPr>
+            <a:r>
+              <a:rPr lang="en-US" dirty="0"/>
+              <a:t>While both groups ride more in the summer months, riders with memberships tend to ride a consistent amount of time throughout the year.</a:t>
             </a:r>
           </a:p>
         </p:txBody>
@@ -3522,7 +3596,7 @@
     </p:spTree>
     <p:extLst>
       <p:ext uri="{BB962C8B-B14F-4D97-AF65-F5344CB8AC3E}">
-        <p14:creationId xmlns:p14="http://schemas.microsoft.com/office/powerpoint/2010/main" val="2536138742"/>
+        <p14:creationId xmlns:p14="http://schemas.microsoft.com/office/powerpoint/2010/main" val="1770915298"/>
       </p:ext>
     </p:extLst>
   </p:cSld>
@@ -3582,7 +3656,7 @@
                 <a:latin typeface="Arial" panose="020B0604020202020204" pitchFamily="34" charset="0"/>
                 <a:cs typeface="Arial" panose="020B0604020202020204" pitchFamily="34" charset="0"/>
               </a:rPr>
-              <a:t>Average Ride Length per Month</a:t>
+              <a:t>Average Ride Length per Day</a:t>
             </a:r>
           </a:p>
         </p:txBody>
@@ -3653,7 +3727,7 @@
             </a:pPr>
             <a:r>
               <a:rPr lang="en-US" dirty="0"/>
-              <a:t>On average, casual riders ride a significantly longer amount of time when compared against riders with memberships.</a:t>
+              <a:t>Casual riders ride roughly twice as long compared to membership holders, with longer ride lengths on weekends.</a:t>
             </a:r>
           </a:p>
           <a:p>
@@ -3661,9 +3735,16 @@
               <a:buFont typeface="Arial" panose="020B0604020202020204" pitchFamily="34" charset="0"/>
               <a:buChar char="•"/>
             </a:pPr>
+            <a:endParaRPr lang="en-US" dirty="0"/>
+          </a:p>
+          <a:p>
+            <a:pPr marL="342900" indent="-342900">
+              <a:buFont typeface="Arial" panose="020B0604020202020204" pitchFamily="34" charset="0"/>
+              <a:buChar char="•"/>
+            </a:pPr>
             <a:r>
               <a:rPr lang="en-US" dirty="0"/>
-              <a:t>While both groups ride more in the summer months, riders with memberships tend to ride a consistent amount of time throughout the year.</a:t>
+              <a:t>Again, membership ride length averages are more consistent throughout the week.</a:t>
             </a:r>
           </a:p>
         </p:txBody>
@@ -3671,7 +3752,7 @@
     </p:spTree>
     <p:extLst>
       <p:ext uri="{BB962C8B-B14F-4D97-AF65-F5344CB8AC3E}">
-        <p14:creationId xmlns:p14="http://schemas.microsoft.com/office/powerpoint/2010/main" val="1770915298"/>
+        <p14:creationId xmlns:p14="http://schemas.microsoft.com/office/powerpoint/2010/main" val="1426004564"/>
       </p:ext>
     </p:extLst>
   </p:cSld>
@@ -3731,7 +3812,7 @@
                 <a:latin typeface="Arial" panose="020B0604020202020204" pitchFamily="34" charset="0"/>
                 <a:cs typeface="Arial" panose="020B0604020202020204" pitchFamily="34" charset="0"/>
               </a:rPr>
-              <a:t>Average Ride Length per Day</a:t>
+              <a:t>Zooming in to Ride Length on an Hourly Basis</a:t>
             </a:r>
           </a:p>
         </p:txBody>
@@ -3802,7 +3883,7 @@
             </a:pPr>
             <a:r>
               <a:rPr lang="en-US" dirty="0"/>
-              <a:t>Casual riders ride roughly twice as long compared to membership holders, with longer ride lengths on weekends.</a:t>
+              <a:t>Casual ridership times dip in the morning hours and spike during the noon to evening hours.</a:t>
             </a:r>
           </a:p>
           <a:p>
@@ -3819,7 +3900,7 @@
             </a:pPr>
             <a:r>
               <a:rPr lang="en-US" dirty="0"/>
-              <a:t>Again, membership ride length averages are more consistent throughout the week.</a:t>
+              <a:t>Riders with memberships follow more consistent riding patterns throughout the day.</a:t>
             </a:r>
           </a:p>
         </p:txBody>
@@ -3827,7 +3908,7 @@
     </p:spTree>
     <p:extLst>
       <p:ext uri="{BB962C8B-B14F-4D97-AF65-F5344CB8AC3E}">
-        <p14:creationId xmlns:p14="http://schemas.microsoft.com/office/powerpoint/2010/main" val="1426004564"/>
+        <p14:creationId xmlns:p14="http://schemas.microsoft.com/office/powerpoint/2010/main" val="139050844"/>
       </p:ext>
     </p:extLst>
   </p:cSld>
@@ -3840,6 +3921,17 @@
 <file path=ppt/slides/slide13.xml><?xml version="1.0" encoding="utf-8"?>
 <p:sld xmlns:a="http://schemas.openxmlformats.org/drawingml/2006/main" xmlns:r="http://schemas.openxmlformats.org/officeDocument/2006/relationships" xmlns:p="http://schemas.openxmlformats.org/presentationml/2006/main">
   <p:cSld>
+    <p:bg>
+      <p:bgPr>
+        <a:solidFill>
+          <a:schemeClr val="accent6">
+            <a:lumMod val="60000"/>
+            <a:lumOff val="40000"/>
+          </a:schemeClr>
+        </a:solidFill>
+        <a:effectLst/>
+      </p:bgPr>
+    </p:bg>
     <p:spTree>
       <p:nvGrpSpPr>
         <p:cNvPr id="1" name=""/>
@@ -3856,10 +3948,10 @@
       </p:grpSpPr>
       <p:sp>
         <p:nvSpPr>
-          <p:cNvPr id="10" name="Title 9">
-            <a:extLst>
-              <a:ext uri="{FF2B5EF4-FFF2-40B4-BE49-F238E27FC236}">
-                <a16:creationId xmlns:a16="http://schemas.microsoft.com/office/drawing/2014/main" id="{34D47A13-603A-B8C0-25CE-1B585877CA55}"/>
+          <p:cNvPr id="2" name="Title 1">
+            <a:extLst>
+              <a:ext uri="{FF2B5EF4-FFF2-40B4-BE49-F238E27FC236}">
+                <a16:creationId xmlns:a16="http://schemas.microsoft.com/office/drawing/2014/main" id="{2E1BFBAA-1CAD-4491-9160-A65F4CA3B7C2}"/>
               </a:ext>
             </a:extLst>
           </p:cNvPr>
@@ -3870,112 +3962,19 @@
             <p:ph type="title"/>
           </p:nvPr>
         </p:nvSpPr>
-        <p:spPr>
-          <a:xfrm>
-            <a:off x="326604" y="384175"/>
-            <a:ext cx="11865396" cy="1600200"/>
-          </a:xfrm>
-        </p:spPr>
-        <p:txBody>
-          <a:bodyPr anchor="ctr">
+        <p:spPr/>
+        <p:txBody>
+          <a:bodyPr>
             <a:normAutofit/>
           </a:bodyPr>
           <a:lstStyle/>
           <a:p>
             <a:r>
-              <a:rPr lang="en-US" sz="2800" b="1" dirty="0">
+              <a:rPr lang="en-US" sz="4000" b="1" dirty="0">
                 <a:latin typeface="Arial" panose="020B0604020202020204" pitchFamily="34" charset="0"/>
                 <a:cs typeface="Arial" panose="020B0604020202020204" pitchFamily="34" charset="0"/>
               </a:rPr>
-              <a:t>Zooming in to Ride Length on an Hourly Basis</a:t>
-            </a:r>
-          </a:p>
-        </p:txBody>
-      </p:sp>
-      <p:pic>
-        <p:nvPicPr>
-          <p:cNvPr id="14" name="Picture Placeholder 13">
-            <a:extLst>
-              <a:ext uri="{FF2B5EF4-FFF2-40B4-BE49-F238E27FC236}">
-                <a16:creationId xmlns:a16="http://schemas.microsoft.com/office/drawing/2014/main" id="{0C4C5B21-0490-20CE-2CCE-FF7A1F9D29E8}"/>
-              </a:ext>
-            </a:extLst>
-          </p:cNvPr>
-          <p:cNvPicPr>
-            <a:picLocks noGrp="1" noChangeAspect="1"/>
-          </p:cNvPicPr>
-          <p:nvPr>
-            <p:ph type="pic" idx="1"/>
-          </p:nvPr>
-        </p:nvPicPr>
-        <p:blipFill>
-          <a:blip r:embed="rId2">
-            <a:extLst>
-              <a:ext uri="{28A0092B-C50C-407E-A947-70E740481C1C}">
-                <a14:useLocalDpi xmlns:a14="http://schemas.microsoft.com/office/drawing/2010/main" val="0"/>
-              </a:ext>
-            </a:extLst>
-          </a:blip>
-          <a:srcRect l="391" r="391"/>
-          <a:stretch/>
-        </p:blipFill>
-        <p:spPr>
-          <a:xfrm>
-            <a:off x="4619625" y="1984375"/>
-            <a:ext cx="7572375" cy="4873625"/>
-          </a:xfrm>
-        </p:spPr>
-      </p:pic>
-      <p:sp>
-        <p:nvSpPr>
-          <p:cNvPr id="12" name="Text Placeholder 11">
-            <a:extLst>
-              <a:ext uri="{FF2B5EF4-FFF2-40B4-BE49-F238E27FC236}">
-                <a16:creationId xmlns:a16="http://schemas.microsoft.com/office/drawing/2014/main" id="{621DE730-63B2-6EFC-2774-5CE40DC9E293}"/>
-              </a:ext>
-            </a:extLst>
-          </p:cNvPr>
-          <p:cNvSpPr>
-            <a:spLocks noGrp="1"/>
-          </p:cNvSpPr>
-          <p:nvPr>
-            <p:ph type="body" sz="half" idx="2"/>
-          </p:nvPr>
-        </p:nvSpPr>
-        <p:spPr>
-          <a:xfrm>
-            <a:off x="326604" y="2515393"/>
-            <a:ext cx="3932237" cy="3811588"/>
-          </a:xfrm>
-        </p:spPr>
-        <p:txBody>
-          <a:bodyPr/>
-          <a:lstStyle/>
-          <a:p>
-            <a:pPr marL="342900" indent="-342900">
-              <a:buFont typeface="Arial" panose="020B0604020202020204" pitchFamily="34" charset="0"/>
-              <a:buChar char="•"/>
-            </a:pPr>
-            <a:r>
-              <a:rPr lang="en-US" dirty="0"/>
-              <a:t>Casual ridership times dip in the morning hours and spike during the noon to evening hours.</a:t>
-            </a:r>
-          </a:p>
-          <a:p>
-            <a:pPr marL="342900" indent="-342900">
-              <a:buFont typeface="Arial" panose="020B0604020202020204" pitchFamily="34" charset="0"/>
-              <a:buChar char="•"/>
-            </a:pPr>
-            <a:endParaRPr lang="en-US" dirty="0"/>
-          </a:p>
-          <a:p>
-            <a:pPr marL="342900" indent="-342900">
-              <a:buFont typeface="Arial" panose="020B0604020202020204" pitchFamily="34" charset="0"/>
-              <a:buChar char="•"/>
-            </a:pPr>
-            <a:r>
-              <a:rPr lang="en-US" dirty="0"/>
-              <a:t>Riders with memberships follow more consistent riding patterns throughout the day.</a:t>
+              <a:t>Findings and Recommendations</a:t>
             </a:r>
           </a:p>
         </p:txBody>
@@ -3983,7 +3982,7 @@
     </p:spTree>
     <p:extLst>
       <p:ext uri="{BB962C8B-B14F-4D97-AF65-F5344CB8AC3E}">
-        <p14:creationId xmlns:p14="http://schemas.microsoft.com/office/powerpoint/2010/main" val="139050844"/>
+        <p14:creationId xmlns:p14="http://schemas.microsoft.com/office/powerpoint/2010/main" val="3980021714"/>
       </p:ext>
     </p:extLst>
   </p:cSld>
@@ -4012,10 +4011,10 @@
       </p:grpSpPr>
       <p:sp>
         <p:nvSpPr>
-          <p:cNvPr id="2" name="Title 1">
-            <a:extLst>
-              <a:ext uri="{FF2B5EF4-FFF2-40B4-BE49-F238E27FC236}">
-                <a16:creationId xmlns:a16="http://schemas.microsoft.com/office/drawing/2014/main" id="{2E1BFBAA-1CAD-4491-9160-A65F4CA3B7C2}"/>
+          <p:cNvPr id="10" name="Title 9">
+            <a:extLst>
+              <a:ext uri="{FF2B5EF4-FFF2-40B4-BE49-F238E27FC236}">
+                <a16:creationId xmlns:a16="http://schemas.microsoft.com/office/drawing/2014/main" id="{34D47A13-603A-B8C0-25CE-1B585877CA55}"/>
               </a:ext>
             </a:extLst>
           </p:cNvPr>
@@ -4026,27 +4025,129 @@
             <p:ph type="title"/>
           </p:nvPr>
         </p:nvSpPr>
-        <p:spPr/>
+        <p:spPr>
+          <a:xfrm>
+            <a:off x="326604" y="384175"/>
+            <a:ext cx="11865396" cy="1600200"/>
+          </a:xfrm>
+        </p:spPr>
+        <p:txBody>
+          <a:bodyPr anchor="ctr">
+            <a:normAutofit/>
+          </a:bodyPr>
+          <a:lstStyle/>
+          <a:p>
+            <a:r>
+              <a:rPr lang="en-US" sz="2800" b="1" dirty="0">
+                <a:latin typeface="Arial" panose="020B0604020202020204" pitchFamily="34" charset="0"/>
+                <a:cs typeface="Arial" panose="020B0604020202020204" pitchFamily="34" charset="0"/>
+              </a:rPr>
+              <a:t>Conclusions : Casuals</a:t>
+            </a:r>
+          </a:p>
+        </p:txBody>
+      </p:sp>
+      <p:sp>
+        <p:nvSpPr>
+          <p:cNvPr id="12" name="Text Placeholder 11">
+            <a:extLst>
+              <a:ext uri="{FF2B5EF4-FFF2-40B4-BE49-F238E27FC236}">
+                <a16:creationId xmlns:a16="http://schemas.microsoft.com/office/drawing/2014/main" id="{621DE730-63B2-6EFC-2774-5CE40DC9E293}"/>
+              </a:ext>
+            </a:extLst>
+          </p:cNvPr>
+          <p:cNvSpPr>
+            <a:spLocks noGrp="1"/>
+          </p:cNvSpPr>
+          <p:nvPr>
+            <p:ph type="body" sz="half" idx="2"/>
+          </p:nvPr>
+        </p:nvSpPr>
+        <p:spPr>
+          <a:xfrm>
+            <a:off x="326604" y="2515393"/>
+            <a:ext cx="3932237" cy="3811588"/>
+          </a:xfrm>
+        </p:spPr>
         <p:txBody>
           <a:bodyPr>
             <a:normAutofit/>
           </a:bodyPr>
           <a:lstStyle/>
           <a:p>
-            <a:r>
-              <a:rPr lang="en-US" sz="4000" b="1" dirty="0">
-                <a:latin typeface="Arial" panose="020B0604020202020204" pitchFamily="34" charset="0"/>
-                <a:cs typeface="Arial" panose="020B0604020202020204" pitchFamily="34" charset="0"/>
-              </a:rPr>
-              <a:t>X</a:t>
-            </a:r>
-          </a:p>
-        </p:txBody>
+            <a:pPr marL="285750" indent="-285750">
+              <a:buFont typeface="Arial" panose="020B0604020202020204" pitchFamily="34" charset="0"/>
+              <a:buChar char="•"/>
+            </a:pPr>
+            <a:r>
+              <a:rPr lang="en-US" dirty="0"/>
+              <a:t>There are more casual riders in the summer</a:t>
+            </a:r>
+          </a:p>
+          <a:p>
+            <a:pPr marL="285750" indent="-285750">
+              <a:buFont typeface="Arial" panose="020B0604020202020204" pitchFamily="34" charset="0"/>
+              <a:buChar char="•"/>
+            </a:pPr>
+            <a:r>
+              <a:rPr lang="en-US" dirty="0"/>
+              <a:t>Casual ridership is very low in the winter months</a:t>
+            </a:r>
+          </a:p>
+          <a:p>
+            <a:pPr marL="285750" indent="-285750">
+              <a:buFont typeface="Arial" panose="020B0604020202020204" pitchFamily="34" charset="0"/>
+              <a:buChar char="•"/>
+            </a:pPr>
+            <a:r>
+              <a:rPr lang="en-US" dirty="0"/>
+              <a:t>Casual riders ride more often on weekends</a:t>
+            </a:r>
+          </a:p>
+          <a:p>
+            <a:pPr marL="285750" indent="-285750">
+              <a:buFont typeface="Arial" panose="020B0604020202020204" pitchFamily="34" charset="0"/>
+              <a:buChar char="•"/>
+            </a:pPr>
+            <a:r>
+              <a:rPr lang="en-US" dirty="0"/>
+              <a:t>Casuals ride more in the afternoon/evening and less during the early morning</a:t>
+            </a:r>
+          </a:p>
+          <a:p>
+            <a:pPr marL="285750" indent="-285750">
+              <a:buFont typeface="Arial" panose="020B0604020202020204" pitchFamily="34" charset="0"/>
+              <a:buChar char="•"/>
+            </a:pPr>
+            <a:r>
+              <a:rPr lang="en-US" dirty="0"/>
+              <a:t>Casual riders ride a significantly longer time when compared to members</a:t>
+            </a:r>
+          </a:p>
+        </p:txBody>
+      </p:sp>
+      <p:sp>
+        <p:nvSpPr>
+          <p:cNvPr id="3" name="Picture Placeholder 2">
+            <a:extLst>
+              <a:ext uri="{FF2B5EF4-FFF2-40B4-BE49-F238E27FC236}">
+                <a16:creationId xmlns:a16="http://schemas.microsoft.com/office/drawing/2014/main" id="{F36A47F4-DFCB-2FA0-B739-272BAE0DD3C6}"/>
+              </a:ext>
+            </a:extLst>
+          </p:cNvPr>
+          <p:cNvSpPr>
+            <a:spLocks noGrp="1"/>
+          </p:cNvSpPr>
+          <p:nvPr>
+            <p:ph type="pic" idx="1"/>
+          </p:nvPr>
+        </p:nvSpPr>
+        <p:spPr/>
       </p:sp>
     </p:spTree>
     <p:extLst>
       <p:ext uri="{BB962C8B-B14F-4D97-AF65-F5344CB8AC3E}">
-        <p14:creationId xmlns:p14="http://schemas.microsoft.com/office/powerpoint/2010/main" val="3980021714"/>
+        <p14:creationId xmlns:p14="http://schemas.microsoft.com/office/powerpoint/2010/main" val="122054808"/>
       </p:ext>
     </p:extLst>
   </p:cSld>
@@ -4106,7 +4207,7 @@
                 <a:latin typeface="Arial" panose="020B0604020202020204" pitchFamily="34" charset="0"/>
                 <a:cs typeface="Arial" panose="020B0604020202020204" pitchFamily="34" charset="0"/>
               </a:rPr>
-              <a:t>Conclusions : Casuals</a:t>
+              <a:t>Conclusions : Members</a:t>
             </a:r>
           </a:p>
         </p:txBody>
@@ -4145,7 +4246,7 @@
             </a:pPr>
             <a:r>
               <a:rPr lang="en-US" dirty="0"/>
-              <a:t>There are more casual riders in the summer</a:t>
+              <a:t>Ride consistently throughout the year</a:t>
             </a:r>
           </a:p>
           <a:p>
@@ -4155,7 +4256,7 @@
             </a:pPr>
             <a:r>
               <a:rPr lang="en-US" dirty="0"/>
-              <a:t>Casual ridership is very low in the winter months</a:t>
+              <a:t>Ride shorter but more consistent times when compared to casuals</a:t>
             </a:r>
           </a:p>
           <a:p>
@@ -4165,27 +4266,7 @@
             </a:pPr>
             <a:r>
               <a:rPr lang="en-US" dirty="0"/>
-              <a:t>Casual riders ride more often on weekends</a:t>
-            </a:r>
-          </a:p>
-          <a:p>
-            <a:pPr marL="285750" indent="-285750">
-              <a:buFont typeface="Arial" panose="020B0604020202020204" pitchFamily="34" charset="0"/>
-              <a:buChar char="•"/>
-            </a:pPr>
-            <a:r>
-              <a:rPr lang="en-US" dirty="0"/>
-              <a:t>Ride more in the afternoon/evening and less during the early morning</a:t>
-            </a:r>
-          </a:p>
-          <a:p>
-            <a:pPr marL="285750" indent="-285750">
-              <a:buFont typeface="Arial" panose="020B0604020202020204" pitchFamily="34" charset="0"/>
-              <a:buChar char="•"/>
-            </a:pPr>
-            <a:r>
-              <a:rPr lang="en-US" dirty="0"/>
-              <a:t>Casual riders ride a significantly longer time when compared to members</a:t>
+              <a:t>Mostly ride in the middle of the week</a:t>
             </a:r>
           </a:p>
         </p:txBody>
@@ -4211,7 +4292,7 @@
     </p:spTree>
     <p:extLst>
       <p:ext uri="{BB962C8B-B14F-4D97-AF65-F5344CB8AC3E}">
-        <p14:creationId xmlns:p14="http://schemas.microsoft.com/office/powerpoint/2010/main" val="122054808"/>
+        <p14:creationId xmlns:p14="http://schemas.microsoft.com/office/powerpoint/2010/main" val="1859785179"/>
       </p:ext>
     </p:extLst>
   </p:cSld>
@@ -4271,7 +4352,7 @@
                 <a:latin typeface="Arial" panose="020B0604020202020204" pitchFamily="34" charset="0"/>
                 <a:cs typeface="Arial" panose="020B0604020202020204" pitchFamily="34" charset="0"/>
               </a:rPr>
-              <a:t>Conclusions : Members</a:t>
+              <a:t>Speculations and Recommendations</a:t>
             </a:r>
           </a:p>
         </p:txBody>
@@ -4295,7 +4376,7 @@
         <p:spPr>
           <a:xfrm>
             <a:off x="326604" y="2515393"/>
-            <a:ext cx="3932237" cy="3811588"/>
+            <a:ext cx="5197118" cy="3811588"/>
           </a:xfrm>
         </p:spPr>
         <p:txBody>
@@ -4310,7 +4391,7 @@
             </a:pPr>
             <a:r>
               <a:rPr lang="en-US" dirty="0"/>
-              <a:t>Ride consistently throughout the year</a:t>
+              <a:t>Casual riders use the service for recreational purposes more often than membership holders.</a:t>
             </a:r>
           </a:p>
           <a:p>
@@ -4320,160 +4401,225 @@
             </a:pPr>
             <a:r>
               <a:rPr lang="en-US" dirty="0"/>
-              <a:t>Ride shorter but more consistent times when compared to casuals</a:t>
-            </a:r>
-          </a:p>
-          <a:p>
-            <a:pPr marL="285750" indent="-285750">
-              <a:buFont typeface="Arial" panose="020B0604020202020204" pitchFamily="34" charset="0"/>
-              <a:buChar char="•"/>
-            </a:pPr>
-            <a:r>
-              <a:rPr lang="en-US" dirty="0"/>
-              <a:t>Mostly ride in the middle of the week</a:t>
-            </a:r>
-          </a:p>
-        </p:txBody>
-      </p:sp>
-      <p:sp>
-        <p:nvSpPr>
-          <p:cNvPr id="3" name="Picture Placeholder 2">
-            <a:extLst>
-              <a:ext uri="{FF2B5EF4-FFF2-40B4-BE49-F238E27FC236}">
-                <a16:creationId xmlns:a16="http://schemas.microsoft.com/office/drawing/2014/main" id="{F36A47F4-DFCB-2FA0-B739-272BAE0DD3C6}"/>
-              </a:ext>
-            </a:extLst>
-          </p:cNvPr>
-          <p:cNvSpPr>
-            <a:spLocks noGrp="1"/>
-          </p:cNvSpPr>
-          <p:nvPr>
-            <p:ph type="pic" idx="1"/>
-          </p:nvPr>
-        </p:nvSpPr>
-        <p:spPr/>
-      </p:sp>
-    </p:spTree>
-    <p:extLst>
-      <p:ext uri="{BB962C8B-B14F-4D97-AF65-F5344CB8AC3E}">
-        <p14:creationId xmlns:p14="http://schemas.microsoft.com/office/powerpoint/2010/main" val="1859785179"/>
-      </p:ext>
-    </p:extLst>
-  </p:cSld>
-  <p:clrMapOvr>
-    <a:masterClrMapping/>
-  </p:clrMapOvr>
-</p:sld>
-</file>
-
-<file path=ppt/slides/slide17.xml><?xml version="1.0" encoding="utf-8"?>
-<p:sld xmlns:a="http://schemas.openxmlformats.org/drawingml/2006/main" xmlns:r="http://schemas.openxmlformats.org/officeDocument/2006/relationships" xmlns:p="http://schemas.openxmlformats.org/presentationml/2006/main">
-  <p:cSld>
-    <p:spTree>
-      <p:nvGrpSpPr>
-        <p:cNvPr id="1" name=""/>
-        <p:cNvGrpSpPr/>
-        <p:nvPr/>
-      </p:nvGrpSpPr>
-      <p:grpSpPr>
-        <a:xfrm>
-          <a:off x="0" y="0"/>
-          <a:ext cx="0" cy="0"/>
-          <a:chOff x="0" y="0"/>
-          <a:chExt cx="0" cy="0"/>
-        </a:xfrm>
-      </p:grpSpPr>
-      <p:sp>
-        <p:nvSpPr>
-          <p:cNvPr id="10" name="Title 9">
-            <a:extLst>
-              <a:ext uri="{FF2B5EF4-FFF2-40B4-BE49-F238E27FC236}">
-                <a16:creationId xmlns:a16="http://schemas.microsoft.com/office/drawing/2014/main" id="{34D47A13-603A-B8C0-25CE-1B585877CA55}"/>
-              </a:ext>
-            </a:extLst>
-          </p:cNvPr>
-          <p:cNvSpPr>
-            <a:spLocks noGrp="1"/>
-          </p:cNvSpPr>
-          <p:nvPr>
-            <p:ph type="title"/>
-          </p:nvPr>
+              <a:t>They are also more likely to use the service for farther treks, possibly as another option to public transit.</a:t>
+            </a:r>
+          </a:p>
+        </p:txBody>
+      </p:sp>
+      <p:sp>
+        <p:nvSpPr>
+          <p:cNvPr id="2" name="Text Placeholder 11">
+            <a:extLst>
+              <a:ext uri="{FF2B5EF4-FFF2-40B4-BE49-F238E27FC236}">
+                <a16:creationId xmlns:a16="http://schemas.microsoft.com/office/drawing/2014/main" id="{8CDC013D-3337-C8CB-9829-CAB5A6665CAB}"/>
+              </a:ext>
+            </a:extLst>
+          </p:cNvPr>
+          <p:cNvSpPr txBox="1">
+            <a:spLocks/>
+          </p:cNvSpPr>
+          <p:nvPr/>
         </p:nvSpPr>
         <p:spPr>
           <a:xfrm>
-            <a:off x="326604" y="384175"/>
-            <a:ext cx="11865396" cy="1600200"/>
+            <a:off x="6096000" y="2515393"/>
+            <a:ext cx="5744514" cy="3811588"/>
           </a:xfrm>
+          <a:prstGeom prst="rect">
+            <a:avLst/>
+          </a:prstGeom>
         </p:spPr>
         <p:txBody>
-          <a:bodyPr anchor="ctr">
+          <a:bodyPr vert="horz" lIns="91440" tIns="45720" rIns="91440" bIns="45720" rtlCol="0">
             <a:normAutofit/>
           </a:bodyPr>
-          <a:lstStyle/>
-          <a:p>
-            <a:r>
-              <a:rPr lang="en-US" sz="2800" b="1" dirty="0">
-                <a:latin typeface="Arial" panose="020B0604020202020204" pitchFamily="34" charset="0"/>
-                <a:cs typeface="Arial" panose="020B0604020202020204" pitchFamily="34" charset="0"/>
-              </a:rPr>
-              <a:t>Speculations</a:t>
-            </a:r>
-          </a:p>
-        </p:txBody>
-      </p:sp>
-      <p:sp>
-        <p:nvSpPr>
-          <p:cNvPr id="12" name="Text Placeholder 11">
-            <a:extLst>
-              <a:ext uri="{FF2B5EF4-FFF2-40B4-BE49-F238E27FC236}">
-                <a16:creationId xmlns:a16="http://schemas.microsoft.com/office/drawing/2014/main" id="{621DE730-63B2-6EFC-2774-5CE40DC9E293}"/>
-              </a:ext>
-            </a:extLst>
-          </p:cNvPr>
-          <p:cNvSpPr>
-            <a:spLocks noGrp="1"/>
-          </p:cNvSpPr>
-          <p:nvPr>
-            <p:ph type="body" sz="half" idx="2"/>
-          </p:nvPr>
-        </p:nvSpPr>
-        <p:spPr>
-          <a:xfrm>
-            <a:off x="326604" y="2515393"/>
-            <a:ext cx="3932237" cy="3811588"/>
-          </a:xfrm>
-        </p:spPr>
-        <p:txBody>
-          <a:bodyPr>
-            <a:normAutofit/>
-          </a:bodyPr>
-          <a:lstStyle/>
-          <a:p>
-            <a:pPr marL="285750" indent="-285750">
+          <a:lstStyle>
+            <a:lvl1pPr marL="0" indent="0" algn="l" defTabSz="914400" rtl="0" eaLnBrk="1" latinLnBrk="0" hangingPunct="1">
+              <a:lnSpc>
+                <a:spcPct val="90000"/>
+              </a:lnSpc>
+              <a:spcBef>
+                <a:spcPts val="1000"/>
+              </a:spcBef>
               <a:buFont typeface="Arial" panose="020B0604020202020204" pitchFamily="34" charset="0"/>
-              <a:buChar char="•"/>
+              <a:buNone/>
+              <a:defRPr sz="1600" kern="1200">
+                <a:solidFill>
+                  <a:schemeClr val="tx1"/>
+                </a:solidFill>
+                <a:latin typeface="+mn-lt"/>
+                <a:ea typeface="+mn-ea"/>
+                <a:cs typeface="+mn-cs"/>
+              </a:defRPr>
+            </a:lvl1pPr>
+            <a:lvl2pPr marL="457200" indent="0" algn="l" defTabSz="914400" rtl="0" eaLnBrk="1" latinLnBrk="0" hangingPunct="1">
+              <a:lnSpc>
+                <a:spcPct val="90000"/>
+              </a:lnSpc>
+              <a:spcBef>
+                <a:spcPts val="500"/>
+              </a:spcBef>
+              <a:buFont typeface="Arial" panose="020B0604020202020204" pitchFamily="34" charset="0"/>
+              <a:buNone/>
+              <a:defRPr sz="1400" kern="1200">
+                <a:solidFill>
+                  <a:schemeClr val="tx1"/>
+                </a:solidFill>
+                <a:latin typeface="+mn-lt"/>
+                <a:ea typeface="+mn-ea"/>
+                <a:cs typeface="+mn-cs"/>
+              </a:defRPr>
+            </a:lvl2pPr>
+            <a:lvl3pPr marL="914400" indent="0" algn="l" defTabSz="914400" rtl="0" eaLnBrk="1" latinLnBrk="0" hangingPunct="1">
+              <a:lnSpc>
+                <a:spcPct val="90000"/>
+              </a:lnSpc>
+              <a:spcBef>
+                <a:spcPts val="500"/>
+              </a:spcBef>
+              <a:buFont typeface="Arial" panose="020B0604020202020204" pitchFamily="34" charset="0"/>
+              <a:buNone/>
+              <a:defRPr sz="1200" kern="1200">
+                <a:solidFill>
+                  <a:schemeClr val="tx1"/>
+                </a:solidFill>
+                <a:latin typeface="+mn-lt"/>
+                <a:ea typeface="+mn-ea"/>
+                <a:cs typeface="+mn-cs"/>
+              </a:defRPr>
+            </a:lvl3pPr>
+            <a:lvl4pPr marL="1371600" indent="0" algn="l" defTabSz="914400" rtl="0" eaLnBrk="1" latinLnBrk="0" hangingPunct="1">
+              <a:lnSpc>
+                <a:spcPct val="90000"/>
+              </a:lnSpc>
+              <a:spcBef>
+                <a:spcPts val="500"/>
+              </a:spcBef>
+              <a:buFont typeface="Arial" panose="020B0604020202020204" pitchFamily="34" charset="0"/>
+              <a:buNone/>
+              <a:defRPr sz="1000" kern="1200">
+                <a:solidFill>
+                  <a:schemeClr val="tx1"/>
+                </a:solidFill>
+                <a:latin typeface="+mn-lt"/>
+                <a:ea typeface="+mn-ea"/>
+                <a:cs typeface="+mn-cs"/>
+              </a:defRPr>
+            </a:lvl4pPr>
+            <a:lvl5pPr marL="1828800" indent="0" algn="l" defTabSz="914400" rtl="0" eaLnBrk="1" latinLnBrk="0" hangingPunct="1">
+              <a:lnSpc>
+                <a:spcPct val="90000"/>
+              </a:lnSpc>
+              <a:spcBef>
+                <a:spcPts val="500"/>
+              </a:spcBef>
+              <a:buFont typeface="Arial" panose="020B0604020202020204" pitchFamily="34" charset="0"/>
+              <a:buNone/>
+              <a:defRPr sz="1000" kern="1200">
+                <a:solidFill>
+                  <a:schemeClr val="tx1"/>
+                </a:solidFill>
+                <a:latin typeface="+mn-lt"/>
+                <a:ea typeface="+mn-ea"/>
+                <a:cs typeface="+mn-cs"/>
+              </a:defRPr>
+            </a:lvl5pPr>
+            <a:lvl6pPr marL="2286000" indent="0" algn="l" defTabSz="914400" rtl="0" eaLnBrk="1" latinLnBrk="0" hangingPunct="1">
+              <a:lnSpc>
+                <a:spcPct val="90000"/>
+              </a:lnSpc>
+              <a:spcBef>
+                <a:spcPts val="500"/>
+              </a:spcBef>
+              <a:buFont typeface="Arial" panose="020B0604020202020204" pitchFamily="34" charset="0"/>
+              <a:buNone/>
+              <a:defRPr sz="1000" kern="1200">
+                <a:solidFill>
+                  <a:schemeClr val="tx1"/>
+                </a:solidFill>
+                <a:latin typeface="+mn-lt"/>
+                <a:ea typeface="+mn-ea"/>
+                <a:cs typeface="+mn-cs"/>
+              </a:defRPr>
+            </a:lvl6pPr>
+            <a:lvl7pPr marL="2743200" indent="0" algn="l" defTabSz="914400" rtl="0" eaLnBrk="1" latinLnBrk="0" hangingPunct="1">
+              <a:lnSpc>
+                <a:spcPct val="90000"/>
+              </a:lnSpc>
+              <a:spcBef>
+                <a:spcPts val="500"/>
+              </a:spcBef>
+              <a:buFont typeface="Arial" panose="020B0604020202020204" pitchFamily="34" charset="0"/>
+              <a:buNone/>
+              <a:defRPr sz="1000" kern="1200">
+                <a:solidFill>
+                  <a:schemeClr val="tx1"/>
+                </a:solidFill>
+                <a:latin typeface="+mn-lt"/>
+                <a:ea typeface="+mn-ea"/>
+                <a:cs typeface="+mn-cs"/>
+              </a:defRPr>
+            </a:lvl7pPr>
+            <a:lvl8pPr marL="3200400" indent="0" algn="l" defTabSz="914400" rtl="0" eaLnBrk="1" latinLnBrk="0" hangingPunct="1">
+              <a:lnSpc>
+                <a:spcPct val="90000"/>
+              </a:lnSpc>
+              <a:spcBef>
+                <a:spcPts val="500"/>
+              </a:spcBef>
+              <a:buFont typeface="Arial" panose="020B0604020202020204" pitchFamily="34" charset="0"/>
+              <a:buNone/>
+              <a:defRPr sz="1000" kern="1200">
+                <a:solidFill>
+                  <a:schemeClr val="tx1"/>
+                </a:solidFill>
+                <a:latin typeface="+mn-lt"/>
+                <a:ea typeface="+mn-ea"/>
+                <a:cs typeface="+mn-cs"/>
+              </a:defRPr>
+            </a:lvl8pPr>
+            <a:lvl9pPr marL="3657600" indent="0" algn="l" defTabSz="914400" rtl="0" eaLnBrk="1" latinLnBrk="0" hangingPunct="1">
+              <a:lnSpc>
+                <a:spcPct val="90000"/>
+              </a:lnSpc>
+              <a:spcBef>
+                <a:spcPts val="500"/>
+              </a:spcBef>
+              <a:buFont typeface="Arial" panose="020B0604020202020204" pitchFamily="34" charset="0"/>
+              <a:buNone/>
+              <a:defRPr sz="1000" kern="1200">
+                <a:solidFill>
+                  <a:schemeClr val="tx1"/>
+                </a:solidFill>
+                <a:latin typeface="+mn-lt"/>
+                <a:ea typeface="+mn-ea"/>
+                <a:cs typeface="+mn-cs"/>
+              </a:defRPr>
+            </a:lvl9pPr>
+          </a:lstStyle>
+          <a:p>
+            <a:pPr marL="342900" indent="-342900">
+              <a:buAutoNum type="arabicPeriod"/>
             </a:pPr>
-            <a:endParaRPr lang="en-US" dirty="0"/>
-          </a:p>
-        </p:txBody>
-      </p:sp>
-      <p:sp>
-        <p:nvSpPr>
-          <p:cNvPr id="3" name="Picture Placeholder 2">
-            <a:extLst>
-              <a:ext uri="{FF2B5EF4-FFF2-40B4-BE49-F238E27FC236}">
-                <a16:creationId xmlns:a16="http://schemas.microsoft.com/office/drawing/2014/main" id="{F36A47F4-DFCB-2FA0-B739-272BAE0DD3C6}"/>
-              </a:ext>
-            </a:extLst>
-          </p:cNvPr>
-          <p:cNvSpPr>
-            <a:spLocks noGrp="1"/>
-          </p:cNvSpPr>
-          <p:nvPr>
-            <p:ph type="pic" idx="1"/>
-          </p:nvPr>
-        </p:nvSpPr>
-        <p:spPr/>
+            <a:r>
+              <a:rPr lang="en-US" dirty="0" err="1"/>
+              <a:t>Cyclistic</a:t>
+            </a:r>
+            <a:r>
+              <a:rPr lang="en-US" dirty="0"/>
+              <a:t> could offer new membership types that cater to riders that do not fit into the habits of current members. Perhaps a new pricing model that focuses on recreational weekend riders?</a:t>
+            </a:r>
+          </a:p>
+          <a:p>
+            <a:pPr marL="342900" indent="-342900">
+              <a:buAutoNum type="arabicPeriod"/>
+            </a:pPr>
+            <a:r>
+              <a:rPr lang="en-US" dirty="0"/>
+              <a:t>Increasing incentives to subscribe to the membership model could be implemented. As it the service is currently, the two ridership types are only distinct in pricing. More features could be added to justify the cost of a membership subscription.</a:t>
+            </a:r>
+          </a:p>
+        </p:txBody>
       </p:sp>
     </p:spTree>
     <p:extLst>
@@ -4861,7 +5007,7 @@
                 <a:latin typeface="Arial" panose="020B0604020202020204" pitchFamily="34" charset="0"/>
                 <a:cs typeface="Arial" panose="020B0604020202020204" pitchFamily="34" charset="0"/>
               </a:rPr>
-              <a:t>Cleaning the Data</a:t>
+              <a:t>Validating GPS Locations</a:t>
             </a:r>
           </a:p>
         </p:txBody>
@@ -4885,7 +5031,7 @@
         <p:spPr>
           <a:xfrm>
             <a:off x="326604" y="2515393"/>
-            <a:ext cx="3932237" cy="3811588"/>
+            <a:ext cx="3932237" cy="4090680"/>
           </a:xfrm>
         </p:spPr>
         <p:txBody>
@@ -4894,39 +5040,224 @@
           </a:bodyPr>
           <a:lstStyle/>
           <a:p>
-            <a:pPr marL="285750" indent="-285750">
+            <a:pPr marL="342900" indent="-342900">
               <a:buFont typeface="Arial" panose="020B0604020202020204" pitchFamily="34" charset="0"/>
               <a:buChar char="•"/>
             </a:pPr>
             <a:r>
               <a:rPr lang="en-US" dirty="0"/>
-              <a:t>Aft</a:t>
-            </a:r>
-          </a:p>
-        </p:txBody>
-      </p:sp>
-      <p:sp>
-        <p:nvSpPr>
-          <p:cNvPr id="3" name="Picture Placeholder 2">
-            <a:extLst>
-              <a:ext uri="{FF2B5EF4-FFF2-40B4-BE49-F238E27FC236}">
-                <a16:creationId xmlns:a16="http://schemas.microsoft.com/office/drawing/2014/main" id="{F36A47F4-DFCB-2FA0-B739-272BAE0DD3C6}"/>
-              </a:ext>
-            </a:extLst>
-          </p:cNvPr>
-          <p:cNvSpPr>
-            <a:spLocks noGrp="1"/>
-          </p:cNvSpPr>
-          <p:nvPr>
-            <p:ph type="pic" idx="1"/>
-          </p:nvPr>
-        </p:nvSpPr>
-        <p:spPr/>
+              <a:t>Comparing GPS locations side-by side, we see there are a few GPS locations that fall outside the general area of Chicago, some are even located in Lake Michigan. However, the points generally match up to the Chicago area. </a:t>
+            </a:r>
+          </a:p>
+          <a:p>
+            <a:pPr marL="342900" indent="-342900">
+              <a:buFont typeface="Arial" panose="020B0604020202020204" pitchFamily="34" charset="0"/>
+              <a:buChar char="•"/>
+            </a:pPr>
+            <a:r>
+              <a:rPr lang="en-US" dirty="0"/>
+              <a:t>We will keep the data as-is, since we are only looking at the bigger picture here.</a:t>
+            </a:r>
+          </a:p>
+          <a:p>
+            <a:pPr marL="342900" indent="-342900">
+              <a:buFont typeface="Arial" panose="020B0604020202020204" pitchFamily="34" charset="0"/>
+              <a:buChar char="•"/>
+            </a:pPr>
+            <a:r>
+              <a:rPr lang="en-US" dirty="0"/>
+              <a:t>Due to the lack of data regarding the route of the rides, we will not draw conclusions between start/end locations and ride lengths.</a:t>
+            </a:r>
+          </a:p>
+          <a:p>
+            <a:pPr marL="342900" indent="-342900">
+              <a:buFont typeface="Arial" panose="020B0604020202020204" pitchFamily="34" charset="0"/>
+              <a:buAutoNum type="arabicPeriod"/>
+            </a:pPr>
+            <a:endParaRPr lang="en-US" dirty="0"/>
+          </a:p>
+        </p:txBody>
+      </p:sp>
+      <p:pic>
+        <p:nvPicPr>
+          <p:cNvPr id="6" name="Picture 5" descr="Chart&#10;&#10;Description automatically generated">
+            <a:extLst>
+              <a:ext uri="{FF2B5EF4-FFF2-40B4-BE49-F238E27FC236}">
+                <a16:creationId xmlns:a16="http://schemas.microsoft.com/office/drawing/2014/main" id="{661CFCB2-207C-DAFA-DF1A-768C863CF79F}"/>
+              </a:ext>
+            </a:extLst>
+          </p:cNvPr>
+          <p:cNvPicPr>
+            <a:picLocks noChangeAspect="1"/>
+          </p:cNvPicPr>
+          <p:nvPr/>
+        </p:nvPicPr>
+        <p:blipFill>
+          <a:blip r:embed="rId2">
+            <a:extLst>
+              <a:ext uri="{28A0092B-C50C-407E-A947-70E740481C1C}">
+                <a14:useLocalDpi xmlns:a14="http://schemas.microsoft.com/office/drawing/2010/main" val="0"/>
+              </a:ext>
+            </a:extLst>
+          </a:blip>
+          <a:stretch>
+            <a:fillRect/>
+          </a:stretch>
+        </p:blipFill>
+        <p:spPr>
+          <a:xfrm>
+            <a:off x="4767627" y="2515393"/>
+            <a:ext cx="3450913" cy="3951045"/>
+          </a:xfrm>
+          <a:prstGeom prst="rect">
+            <a:avLst/>
+          </a:prstGeom>
+        </p:spPr>
+      </p:pic>
+      <p:pic>
+        <p:nvPicPr>
+          <p:cNvPr id="8" name="Picture 7">
+            <a:extLst>
+              <a:ext uri="{FF2B5EF4-FFF2-40B4-BE49-F238E27FC236}">
+                <a16:creationId xmlns:a16="http://schemas.microsoft.com/office/drawing/2014/main" id="{E4CBE44F-1936-C93A-5566-45BD9FF5AF82}"/>
+              </a:ext>
+            </a:extLst>
+          </p:cNvPr>
+          <p:cNvPicPr>
+            <a:picLocks noChangeAspect="1"/>
+          </p:cNvPicPr>
+          <p:nvPr/>
+        </p:nvPicPr>
+        <p:blipFill>
+          <a:blip r:embed="rId3">
+            <a:extLst>
+              <a:ext uri="{28A0092B-C50C-407E-A947-70E740481C1C}">
+                <a14:useLocalDpi xmlns:a14="http://schemas.microsoft.com/office/drawing/2010/main" val="0"/>
+              </a:ext>
+            </a:extLst>
+          </a:blip>
+          <a:srcRect/>
+          <a:stretch/>
+        </p:blipFill>
+        <p:spPr>
+          <a:xfrm>
+            <a:off x="8218540" y="2522780"/>
+            <a:ext cx="3450912" cy="3951045"/>
+          </a:xfrm>
+          <a:prstGeom prst="rect">
+            <a:avLst/>
+          </a:prstGeom>
+        </p:spPr>
+      </p:pic>
+      <p:sp>
+        <p:nvSpPr>
+          <p:cNvPr id="9" name="TextBox 8">
+            <a:extLst>
+              <a:ext uri="{FF2B5EF4-FFF2-40B4-BE49-F238E27FC236}">
+                <a16:creationId xmlns:a16="http://schemas.microsoft.com/office/drawing/2014/main" id="{BD4F1BF0-2F95-D3F9-1831-7BDB0C1A6D23}"/>
+              </a:ext>
+            </a:extLst>
+          </p:cNvPr>
+          <p:cNvSpPr txBox="1"/>
+          <p:nvPr/>
+        </p:nvSpPr>
+        <p:spPr>
+          <a:xfrm>
+            <a:off x="8523340" y="2207615"/>
+            <a:ext cx="3450913" cy="307777"/>
+          </a:xfrm>
+          <a:prstGeom prst="rect">
+            <a:avLst/>
+          </a:prstGeom>
+          <a:noFill/>
+        </p:spPr>
+        <p:txBody>
+          <a:bodyPr wrap="square" rtlCol="0">
+            <a:spAutoFit/>
+          </a:bodyPr>
+          <a:lstStyle/>
+          <a:p>
+            <a:r>
+              <a:rPr lang="en-US" sz="1400" dirty="0"/>
+              <a:t>Membership Riders</a:t>
+            </a:r>
+          </a:p>
+        </p:txBody>
+      </p:sp>
+      <p:sp>
+        <p:nvSpPr>
+          <p:cNvPr id="13" name="TextBox 12">
+            <a:extLst>
+              <a:ext uri="{FF2B5EF4-FFF2-40B4-BE49-F238E27FC236}">
+                <a16:creationId xmlns:a16="http://schemas.microsoft.com/office/drawing/2014/main" id="{B5FF657C-FFFC-AAB5-044E-1794F579BF32}"/>
+              </a:ext>
+            </a:extLst>
+          </p:cNvPr>
+          <p:cNvSpPr txBox="1"/>
+          <p:nvPr/>
+        </p:nvSpPr>
+        <p:spPr>
+          <a:xfrm>
+            <a:off x="5072427" y="2207616"/>
+            <a:ext cx="3450913" cy="307777"/>
+          </a:xfrm>
+          <a:prstGeom prst="rect">
+            <a:avLst/>
+          </a:prstGeom>
+          <a:noFill/>
+        </p:spPr>
+        <p:txBody>
+          <a:bodyPr wrap="square" rtlCol="0">
+            <a:spAutoFit/>
+          </a:bodyPr>
+          <a:lstStyle/>
+          <a:p>
+            <a:r>
+              <a:rPr lang="en-US" sz="1400" dirty="0"/>
+              <a:t>Casual Riders</a:t>
+            </a:r>
+          </a:p>
+        </p:txBody>
+      </p:sp>
+      <p:sp>
+        <p:nvSpPr>
+          <p:cNvPr id="16" name="TextBox 15">
+            <a:extLst>
+              <a:ext uri="{FF2B5EF4-FFF2-40B4-BE49-F238E27FC236}">
+                <a16:creationId xmlns:a16="http://schemas.microsoft.com/office/drawing/2014/main" id="{8BF394CC-AB82-5908-1B79-4FAE2F02194F}"/>
+              </a:ext>
+            </a:extLst>
+          </p:cNvPr>
+          <p:cNvSpPr txBox="1"/>
+          <p:nvPr/>
+        </p:nvSpPr>
+        <p:spPr>
+          <a:xfrm>
+            <a:off x="5072427" y="1799709"/>
+            <a:ext cx="4911329" cy="369332"/>
+          </a:xfrm>
+          <a:prstGeom prst="rect">
+            <a:avLst/>
+          </a:prstGeom>
+          <a:noFill/>
+        </p:spPr>
+        <p:txBody>
+          <a:bodyPr wrap="square" rtlCol="0">
+            <a:spAutoFit/>
+          </a:bodyPr>
+          <a:lstStyle/>
+          <a:p>
+            <a:r>
+              <a:rPr lang="en-US" dirty="0"/>
+              <a:t>Starting/Ending GPS Locations Between..</a:t>
+            </a:r>
+          </a:p>
+        </p:txBody>
       </p:sp>
     </p:spTree>
     <p:extLst>
       <p:ext uri="{BB962C8B-B14F-4D97-AF65-F5344CB8AC3E}">
-        <p14:creationId xmlns:p14="http://schemas.microsoft.com/office/powerpoint/2010/main" val="3774384973"/>
+        <p14:creationId xmlns:p14="http://schemas.microsoft.com/office/powerpoint/2010/main" val="3837253455"/>
       </p:ext>
     </p:extLst>
   </p:cSld>
@@ -4986,316 +5317,6 @@
                 <a:latin typeface="Arial" panose="020B0604020202020204" pitchFamily="34" charset="0"/>
                 <a:cs typeface="Arial" panose="020B0604020202020204" pitchFamily="34" charset="0"/>
               </a:rPr>
-              <a:t>Validating GPS Locations</a:t>
-            </a:r>
-          </a:p>
-        </p:txBody>
-      </p:sp>
-      <p:sp>
-        <p:nvSpPr>
-          <p:cNvPr id="12" name="Text Placeholder 11">
-            <a:extLst>
-              <a:ext uri="{FF2B5EF4-FFF2-40B4-BE49-F238E27FC236}">
-                <a16:creationId xmlns:a16="http://schemas.microsoft.com/office/drawing/2014/main" id="{621DE730-63B2-6EFC-2774-5CE40DC9E293}"/>
-              </a:ext>
-            </a:extLst>
-          </p:cNvPr>
-          <p:cNvSpPr>
-            <a:spLocks noGrp="1"/>
-          </p:cNvSpPr>
-          <p:nvPr>
-            <p:ph type="body" sz="half" idx="2"/>
-          </p:nvPr>
-        </p:nvSpPr>
-        <p:spPr>
-          <a:xfrm>
-            <a:off x="326604" y="2515393"/>
-            <a:ext cx="3932237" cy="4090680"/>
-          </a:xfrm>
-        </p:spPr>
-        <p:txBody>
-          <a:bodyPr>
-            <a:normAutofit/>
-          </a:bodyPr>
-          <a:lstStyle/>
-          <a:p>
-            <a:pPr marL="342900" indent="-342900">
-              <a:buFont typeface="Arial" panose="020B0604020202020204" pitchFamily="34" charset="0"/>
-              <a:buChar char="•"/>
-            </a:pPr>
-            <a:r>
-              <a:rPr lang="en-US" dirty="0"/>
-              <a:t>Comparing GPS locations side-by side, we see there are a few GPS locations that fall outside the general area of Chicago, some are even located in Lake Michigan. However, the points generally match up to the Chicago area. </a:t>
-            </a:r>
-          </a:p>
-          <a:p>
-            <a:pPr marL="342900" indent="-342900">
-              <a:buFont typeface="Arial" panose="020B0604020202020204" pitchFamily="34" charset="0"/>
-              <a:buChar char="•"/>
-            </a:pPr>
-            <a:r>
-              <a:rPr lang="en-US" dirty="0"/>
-              <a:t>We will keep the data as-is, since we are only looking at the bigger picture here.</a:t>
-            </a:r>
-          </a:p>
-          <a:p>
-            <a:pPr marL="342900" indent="-342900">
-              <a:buFont typeface="Arial" panose="020B0604020202020204" pitchFamily="34" charset="0"/>
-              <a:buChar char="•"/>
-            </a:pPr>
-            <a:r>
-              <a:rPr lang="en-US" dirty="0"/>
-              <a:t>Due to the lack of data regarding the route of the rides, we will not draw conclusions between start/end locations and ride lengths.</a:t>
-            </a:r>
-          </a:p>
-          <a:p>
-            <a:pPr marL="342900" indent="-342900">
-              <a:buFont typeface="Arial" panose="020B0604020202020204" pitchFamily="34" charset="0"/>
-              <a:buAutoNum type="arabicPeriod"/>
-            </a:pPr>
-            <a:endParaRPr lang="en-US" dirty="0"/>
-          </a:p>
-        </p:txBody>
-      </p:sp>
-      <p:pic>
-        <p:nvPicPr>
-          <p:cNvPr id="6" name="Picture 5" descr="Chart&#10;&#10;Description automatically generated">
-            <a:extLst>
-              <a:ext uri="{FF2B5EF4-FFF2-40B4-BE49-F238E27FC236}">
-                <a16:creationId xmlns:a16="http://schemas.microsoft.com/office/drawing/2014/main" id="{661CFCB2-207C-DAFA-DF1A-768C863CF79F}"/>
-              </a:ext>
-            </a:extLst>
-          </p:cNvPr>
-          <p:cNvPicPr>
-            <a:picLocks noChangeAspect="1"/>
-          </p:cNvPicPr>
-          <p:nvPr/>
-        </p:nvPicPr>
-        <p:blipFill>
-          <a:blip r:embed="rId2">
-            <a:extLst>
-              <a:ext uri="{28A0092B-C50C-407E-A947-70E740481C1C}">
-                <a14:useLocalDpi xmlns:a14="http://schemas.microsoft.com/office/drawing/2010/main" val="0"/>
-              </a:ext>
-            </a:extLst>
-          </a:blip>
-          <a:stretch>
-            <a:fillRect/>
-          </a:stretch>
-        </p:blipFill>
-        <p:spPr>
-          <a:xfrm>
-            <a:off x="4767627" y="2515393"/>
-            <a:ext cx="3450913" cy="3951045"/>
-          </a:xfrm>
-          <a:prstGeom prst="rect">
-            <a:avLst/>
-          </a:prstGeom>
-        </p:spPr>
-      </p:pic>
-      <p:pic>
-        <p:nvPicPr>
-          <p:cNvPr id="8" name="Picture 7">
-            <a:extLst>
-              <a:ext uri="{FF2B5EF4-FFF2-40B4-BE49-F238E27FC236}">
-                <a16:creationId xmlns:a16="http://schemas.microsoft.com/office/drawing/2014/main" id="{E4CBE44F-1936-C93A-5566-45BD9FF5AF82}"/>
-              </a:ext>
-            </a:extLst>
-          </p:cNvPr>
-          <p:cNvPicPr>
-            <a:picLocks noChangeAspect="1"/>
-          </p:cNvPicPr>
-          <p:nvPr/>
-        </p:nvPicPr>
-        <p:blipFill>
-          <a:blip r:embed="rId3">
-            <a:extLst>
-              <a:ext uri="{28A0092B-C50C-407E-A947-70E740481C1C}">
-                <a14:useLocalDpi xmlns:a14="http://schemas.microsoft.com/office/drawing/2010/main" val="0"/>
-              </a:ext>
-            </a:extLst>
-          </a:blip>
-          <a:srcRect/>
-          <a:stretch/>
-        </p:blipFill>
-        <p:spPr>
-          <a:xfrm>
-            <a:off x="8218540" y="2522780"/>
-            <a:ext cx="3450912" cy="3951045"/>
-          </a:xfrm>
-          <a:prstGeom prst="rect">
-            <a:avLst/>
-          </a:prstGeom>
-        </p:spPr>
-      </p:pic>
-      <p:sp>
-        <p:nvSpPr>
-          <p:cNvPr id="9" name="TextBox 8">
-            <a:extLst>
-              <a:ext uri="{FF2B5EF4-FFF2-40B4-BE49-F238E27FC236}">
-                <a16:creationId xmlns:a16="http://schemas.microsoft.com/office/drawing/2014/main" id="{BD4F1BF0-2F95-D3F9-1831-7BDB0C1A6D23}"/>
-              </a:ext>
-            </a:extLst>
-          </p:cNvPr>
-          <p:cNvSpPr txBox="1"/>
-          <p:nvPr/>
-        </p:nvSpPr>
-        <p:spPr>
-          <a:xfrm>
-            <a:off x="8523340" y="2207615"/>
-            <a:ext cx="3450913" cy="307777"/>
-          </a:xfrm>
-          <a:prstGeom prst="rect">
-            <a:avLst/>
-          </a:prstGeom>
-          <a:noFill/>
-        </p:spPr>
-        <p:txBody>
-          <a:bodyPr wrap="square" rtlCol="0">
-            <a:spAutoFit/>
-          </a:bodyPr>
-          <a:lstStyle/>
-          <a:p>
-            <a:r>
-              <a:rPr lang="en-US" sz="1400" dirty="0"/>
-              <a:t>Membership Riders</a:t>
-            </a:r>
-          </a:p>
-        </p:txBody>
-      </p:sp>
-      <p:sp>
-        <p:nvSpPr>
-          <p:cNvPr id="13" name="TextBox 12">
-            <a:extLst>
-              <a:ext uri="{FF2B5EF4-FFF2-40B4-BE49-F238E27FC236}">
-                <a16:creationId xmlns:a16="http://schemas.microsoft.com/office/drawing/2014/main" id="{B5FF657C-FFFC-AAB5-044E-1794F579BF32}"/>
-              </a:ext>
-            </a:extLst>
-          </p:cNvPr>
-          <p:cNvSpPr txBox="1"/>
-          <p:nvPr/>
-        </p:nvSpPr>
-        <p:spPr>
-          <a:xfrm>
-            <a:off x="5072427" y="2207616"/>
-            <a:ext cx="3450913" cy="307777"/>
-          </a:xfrm>
-          <a:prstGeom prst="rect">
-            <a:avLst/>
-          </a:prstGeom>
-          <a:noFill/>
-        </p:spPr>
-        <p:txBody>
-          <a:bodyPr wrap="square" rtlCol="0">
-            <a:spAutoFit/>
-          </a:bodyPr>
-          <a:lstStyle/>
-          <a:p>
-            <a:r>
-              <a:rPr lang="en-US" sz="1400" dirty="0"/>
-              <a:t>Casual Riders</a:t>
-            </a:r>
-          </a:p>
-        </p:txBody>
-      </p:sp>
-      <p:sp>
-        <p:nvSpPr>
-          <p:cNvPr id="16" name="TextBox 15">
-            <a:extLst>
-              <a:ext uri="{FF2B5EF4-FFF2-40B4-BE49-F238E27FC236}">
-                <a16:creationId xmlns:a16="http://schemas.microsoft.com/office/drawing/2014/main" id="{8BF394CC-AB82-5908-1B79-4FAE2F02194F}"/>
-              </a:ext>
-            </a:extLst>
-          </p:cNvPr>
-          <p:cNvSpPr txBox="1"/>
-          <p:nvPr/>
-        </p:nvSpPr>
-        <p:spPr>
-          <a:xfrm>
-            <a:off x="5072427" y="1799709"/>
-            <a:ext cx="4911329" cy="369332"/>
-          </a:xfrm>
-          <a:prstGeom prst="rect">
-            <a:avLst/>
-          </a:prstGeom>
-          <a:noFill/>
-        </p:spPr>
-        <p:txBody>
-          <a:bodyPr wrap="square" rtlCol="0">
-            <a:spAutoFit/>
-          </a:bodyPr>
-          <a:lstStyle/>
-          <a:p>
-            <a:r>
-              <a:rPr lang="en-US" dirty="0"/>
-              <a:t>Starting/Ending GPS Locations Between..</a:t>
-            </a:r>
-          </a:p>
-        </p:txBody>
-      </p:sp>
-    </p:spTree>
-    <p:extLst>
-      <p:ext uri="{BB962C8B-B14F-4D97-AF65-F5344CB8AC3E}">
-        <p14:creationId xmlns:p14="http://schemas.microsoft.com/office/powerpoint/2010/main" val="3837253455"/>
-      </p:ext>
-    </p:extLst>
-  </p:cSld>
-  <p:clrMapOvr>
-    <a:masterClrMapping/>
-  </p:clrMapOvr>
-</p:sld>
-</file>
-
-<file path=ppt/slides/slide6.xml><?xml version="1.0" encoding="utf-8"?>
-<p:sld xmlns:a="http://schemas.openxmlformats.org/drawingml/2006/main" xmlns:r="http://schemas.openxmlformats.org/officeDocument/2006/relationships" xmlns:p="http://schemas.openxmlformats.org/presentationml/2006/main">
-  <p:cSld>
-    <p:spTree>
-      <p:nvGrpSpPr>
-        <p:cNvPr id="1" name=""/>
-        <p:cNvGrpSpPr/>
-        <p:nvPr/>
-      </p:nvGrpSpPr>
-      <p:grpSpPr>
-        <a:xfrm>
-          <a:off x="0" y="0"/>
-          <a:ext cx="0" cy="0"/>
-          <a:chOff x="0" y="0"/>
-          <a:chExt cx="0" cy="0"/>
-        </a:xfrm>
-      </p:grpSpPr>
-      <p:sp>
-        <p:nvSpPr>
-          <p:cNvPr id="10" name="Title 9">
-            <a:extLst>
-              <a:ext uri="{FF2B5EF4-FFF2-40B4-BE49-F238E27FC236}">
-                <a16:creationId xmlns:a16="http://schemas.microsoft.com/office/drawing/2014/main" id="{34D47A13-603A-B8C0-25CE-1B585877CA55}"/>
-              </a:ext>
-            </a:extLst>
-          </p:cNvPr>
-          <p:cNvSpPr>
-            <a:spLocks noGrp="1"/>
-          </p:cNvSpPr>
-          <p:nvPr>
-            <p:ph type="title"/>
-          </p:nvPr>
-        </p:nvSpPr>
-        <p:spPr>
-          <a:xfrm>
-            <a:off x="326604" y="384175"/>
-            <a:ext cx="11865396" cy="1600200"/>
-          </a:xfrm>
-        </p:spPr>
-        <p:txBody>
-          <a:bodyPr anchor="ctr">
-            <a:normAutofit/>
-          </a:bodyPr>
-          <a:lstStyle/>
-          <a:p>
-            <a:r>
-              <a:rPr lang="en-US" sz="2800" b="1" dirty="0">
-                <a:latin typeface="Arial" panose="020B0604020202020204" pitchFamily="34" charset="0"/>
-                <a:cs typeface="Arial" panose="020B0604020202020204" pitchFamily="34" charset="0"/>
-              </a:rPr>
               <a:t>Comparing GPS Locations Between Ridership Types</a:t>
             </a:r>
           </a:p>
@@ -5405,7 +5426,7 @@
 </p:sld>
 </file>
 
-<file path=ppt/slides/slide7.xml><?xml version="1.0" encoding="utf-8"?>
+<file path=ppt/slides/slide6.xml><?xml version="1.0" encoding="utf-8"?>
 <p:sld xmlns:a="http://schemas.openxmlformats.org/drawingml/2006/main" xmlns:r="http://schemas.openxmlformats.org/officeDocument/2006/relationships" xmlns:p="http://schemas.openxmlformats.org/presentationml/2006/main">
   <p:cSld>
     <p:bg>
@@ -5479,6 +5500,172 @@
 </p:sld>
 </file>
 
+<file path=ppt/slides/slide7.xml><?xml version="1.0" encoding="utf-8"?>
+<p:sld xmlns:a="http://schemas.openxmlformats.org/drawingml/2006/main" xmlns:r="http://schemas.openxmlformats.org/officeDocument/2006/relationships" xmlns:p="http://schemas.openxmlformats.org/presentationml/2006/main">
+  <p:cSld>
+    <p:spTree>
+      <p:nvGrpSpPr>
+        <p:cNvPr id="1" name=""/>
+        <p:cNvGrpSpPr/>
+        <p:nvPr/>
+      </p:nvGrpSpPr>
+      <p:grpSpPr>
+        <a:xfrm>
+          <a:off x="0" y="0"/>
+          <a:ext cx="0" cy="0"/>
+          <a:chOff x="0" y="0"/>
+          <a:chExt cx="0" cy="0"/>
+        </a:xfrm>
+      </p:grpSpPr>
+      <p:sp>
+        <p:nvSpPr>
+          <p:cNvPr id="10" name="Title 9">
+            <a:extLst>
+              <a:ext uri="{FF2B5EF4-FFF2-40B4-BE49-F238E27FC236}">
+                <a16:creationId xmlns:a16="http://schemas.microsoft.com/office/drawing/2014/main" id="{34D47A13-603A-B8C0-25CE-1B585877CA55}"/>
+              </a:ext>
+            </a:extLst>
+          </p:cNvPr>
+          <p:cNvSpPr>
+            <a:spLocks noGrp="1"/>
+          </p:cNvSpPr>
+          <p:nvPr>
+            <p:ph type="title"/>
+          </p:nvPr>
+        </p:nvSpPr>
+        <p:spPr>
+          <a:xfrm>
+            <a:off x="326604" y="384175"/>
+            <a:ext cx="11865396" cy="1600200"/>
+          </a:xfrm>
+        </p:spPr>
+        <p:txBody>
+          <a:bodyPr anchor="ctr">
+            <a:normAutofit/>
+          </a:bodyPr>
+          <a:lstStyle/>
+          <a:p>
+            <a:r>
+              <a:rPr lang="en-US" sz="2800" b="1" dirty="0">
+                <a:latin typeface="Arial" panose="020B0604020202020204" pitchFamily="34" charset="0"/>
+                <a:cs typeface="Arial" panose="020B0604020202020204" pitchFamily="34" charset="0"/>
+              </a:rPr>
+              <a:t>Looking at Demand on a Monthly Basis</a:t>
+            </a:r>
+          </a:p>
+        </p:txBody>
+      </p:sp>
+      <p:pic>
+        <p:nvPicPr>
+          <p:cNvPr id="14" name="Picture Placeholder 13">
+            <a:extLst>
+              <a:ext uri="{FF2B5EF4-FFF2-40B4-BE49-F238E27FC236}">
+                <a16:creationId xmlns:a16="http://schemas.microsoft.com/office/drawing/2014/main" id="{0C4C5B21-0490-20CE-2CCE-FF7A1F9D29E8}"/>
+              </a:ext>
+            </a:extLst>
+          </p:cNvPr>
+          <p:cNvPicPr>
+            <a:picLocks noGrp="1" noChangeAspect="1"/>
+          </p:cNvPicPr>
+          <p:nvPr>
+            <p:ph type="pic" idx="1"/>
+          </p:nvPr>
+        </p:nvPicPr>
+        <p:blipFill>
+          <a:blip r:embed="rId2">
+            <a:extLst>
+              <a:ext uri="{28A0092B-C50C-407E-A947-70E740481C1C}">
+                <a14:useLocalDpi xmlns:a14="http://schemas.microsoft.com/office/drawing/2010/main" val="0"/>
+              </a:ext>
+            </a:extLst>
+          </a:blip>
+          <a:srcRect l="391" r="391"/>
+          <a:stretch/>
+        </p:blipFill>
+        <p:spPr>
+          <a:xfrm>
+            <a:off x="4619625" y="1984375"/>
+            <a:ext cx="7572375" cy="4873625"/>
+          </a:xfrm>
+        </p:spPr>
+      </p:pic>
+      <p:sp>
+        <p:nvSpPr>
+          <p:cNvPr id="12" name="Text Placeholder 11">
+            <a:extLst>
+              <a:ext uri="{FF2B5EF4-FFF2-40B4-BE49-F238E27FC236}">
+                <a16:creationId xmlns:a16="http://schemas.microsoft.com/office/drawing/2014/main" id="{621DE730-63B2-6EFC-2774-5CE40DC9E293}"/>
+              </a:ext>
+            </a:extLst>
+          </p:cNvPr>
+          <p:cNvSpPr>
+            <a:spLocks noGrp="1"/>
+          </p:cNvSpPr>
+          <p:nvPr>
+            <p:ph type="body" sz="half" idx="2"/>
+          </p:nvPr>
+        </p:nvSpPr>
+        <p:spPr>
+          <a:xfrm>
+            <a:off x="326604" y="2515393"/>
+            <a:ext cx="3932237" cy="3811588"/>
+          </a:xfrm>
+        </p:spPr>
+        <p:txBody>
+          <a:bodyPr/>
+          <a:lstStyle/>
+          <a:p>
+            <a:pPr marL="342900" indent="-342900">
+              <a:buFont typeface="Arial" panose="020B0604020202020204" pitchFamily="34" charset="0"/>
+              <a:buChar char="•"/>
+            </a:pPr>
+            <a:r>
+              <a:rPr lang="en-US" dirty="0"/>
+              <a:t>Overall, the service sees the most traffic in the summer (May to September) and declines in the colder months</a:t>
+            </a:r>
+          </a:p>
+          <a:p>
+            <a:pPr marL="342900" indent="-342900">
+              <a:buFont typeface="Arial" panose="020B0604020202020204" pitchFamily="34" charset="0"/>
+              <a:buChar char="•"/>
+            </a:pPr>
+            <a:endParaRPr lang="en-US" dirty="0"/>
+          </a:p>
+          <a:p>
+            <a:pPr marL="342900" indent="-342900">
+              <a:buFont typeface="Arial" panose="020B0604020202020204" pitchFamily="34" charset="0"/>
+              <a:buChar char="•"/>
+            </a:pPr>
+            <a:r>
+              <a:rPr lang="en-US" dirty="0"/>
+              <a:t>In the summer, member and casual ridership is similar, however members will ride more often in the winter compared to casual riders.</a:t>
+            </a:r>
+          </a:p>
+          <a:p>
+            <a:pPr marL="342900" indent="-342900">
+              <a:buFont typeface="Arial" panose="020B0604020202020204" pitchFamily="34" charset="0"/>
+              <a:buChar char="•"/>
+            </a:pPr>
+            <a:r>
+              <a:rPr lang="en-US" dirty="0"/>
+              <a:t>Casual ridership is very low in the winter months</a:t>
+            </a:r>
+          </a:p>
+        </p:txBody>
+      </p:sp>
+    </p:spTree>
+    <p:extLst>
+      <p:ext uri="{BB962C8B-B14F-4D97-AF65-F5344CB8AC3E}">
+        <p14:creationId xmlns:p14="http://schemas.microsoft.com/office/powerpoint/2010/main" val="1352223280"/>
+      </p:ext>
+    </p:extLst>
+  </p:cSld>
+  <p:clrMapOvr>
+    <a:masterClrMapping/>
+  </p:clrMapOvr>
+</p:sld>
+</file>
+
 <file path=ppt/slides/slide8.xml><?xml version="1.0" encoding="utf-8"?>
 <p:sld xmlns:a="http://schemas.openxmlformats.org/drawingml/2006/main" xmlns:r="http://schemas.openxmlformats.org/officeDocument/2006/relationships" xmlns:p="http://schemas.openxmlformats.org/presentationml/2006/main">
   <p:cSld>
@@ -5529,7 +5716,7 @@
                 <a:latin typeface="Arial" panose="020B0604020202020204" pitchFamily="34" charset="0"/>
                 <a:cs typeface="Arial" panose="020B0604020202020204" pitchFamily="34" charset="0"/>
               </a:rPr>
-              <a:t>Looking at Demand on a Monthly Basis</a:t>
+              <a:t>Total Riders Per Day for Each Rider Type</a:t>
             </a:r>
           </a:p>
         </p:txBody>
@@ -5600,7 +5787,7 @@
             </a:pPr>
             <a:r>
               <a:rPr lang="en-US" dirty="0"/>
-              <a:t>Overall, the service sees the most traffic in the summer (May to September) and declines in the colder months</a:t>
+              <a:t>Members ride the most in the middle of the week (Tuesday to Thursday) whereas casual riders use the service mostly on the weekend</a:t>
             </a:r>
           </a:p>
           <a:p>
@@ -5617,17 +5804,7 @@
             </a:pPr>
             <a:r>
               <a:rPr lang="en-US" dirty="0"/>
-              <a:t>In the summer, member and casual ridership is similar, however members will ride more often in the winter compared to casual riders.</a:t>
-            </a:r>
-          </a:p>
-          <a:p>
-            <a:pPr marL="342900" indent="-342900">
-              <a:buFont typeface="Arial" panose="020B0604020202020204" pitchFamily="34" charset="0"/>
-              <a:buChar char="•"/>
-            </a:pPr>
-            <a:r>
-              <a:rPr lang="en-US" dirty="0"/>
-              <a:t>Casual ridership is very low in the winter months</a:t>
+              <a:t>Casual ridership surpasses member ridership on weekends</a:t>
             </a:r>
           </a:p>
         </p:txBody>
@@ -5635,7 +5812,7 @@
     </p:spTree>
     <p:extLst>
       <p:ext uri="{BB962C8B-B14F-4D97-AF65-F5344CB8AC3E}">
-        <p14:creationId xmlns:p14="http://schemas.microsoft.com/office/powerpoint/2010/main" val="1352223280"/>
+        <p14:creationId xmlns:p14="http://schemas.microsoft.com/office/powerpoint/2010/main" val="3355053490"/>
       </p:ext>
     </p:extLst>
   </p:cSld>
@@ -5648,6 +5825,17 @@
 <file path=ppt/slides/slide9.xml><?xml version="1.0" encoding="utf-8"?>
 <p:sld xmlns:a="http://schemas.openxmlformats.org/drawingml/2006/main" xmlns:r="http://schemas.openxmlformats.org/officeDocument/2006/relationships" xmlns:p="http://schemas.openxmlformats.org/presentationml/2006/main">
   <p:cSld>
+    <p:bg>
+      <p:bgPr>
+        <a:solidFill>
+          <a:schemeClr val="accent6">
+            <a:lumMod val="40000"/>
+            <a:lumOff val="60000"/>
+          </a:schemeClr>
+        </a:solidFill>
+        <a:effectLst/>
+      </p:bgPr>
+    </p:bg>
     <p:spTree>
       <p:nvGrpSpPr>
         <p:cNvPr id="1" name=""/>
@@ -5664,10 +5852,10 @@
       </p:grpSpPr>
       <p:sp>
         <p:nvSpPr>
-          <p:cNvPr id="10" name="Title 9">
-            <a:extLst>
-              <a:ext uri="{FF2B5EF4-FFF2-40B4-BE49-F238E27FC236}">
-                <a16:creationId xmlns:a16="http://schemas.microsoft.com/office/drawing/2014/main" id="{34D47A13-603A-B8C0-25CE-1B585877CA55}"/>
+          <p:cNvPr id="2" name="Title 1">
+            <a:extLst>
+              <a:ext uri="{FF2B5EF4-FFF2-40B4-BE49-F238E27FC236}">
+                <a16:creationId xmlns:a16="http://schemas.microsoft.com/office/drawing/2014/main" id="{2E1BFBAA-1CAD-4491-9160-A65F4CA3B7C2}"/>
               </a:ext>
             </a:extLst>
           </p:cNvPr>
@@ -5678,112 +5866,19 @@
             <p:ph type="title"/>
           </p:nvPr>
         </p:nvSpPr>
-        <p:spPr>
-          <a:xfrm>
-            <a:off x="326604" y="384175"/>
-            <a:ext cx="11865396" cy="1600200"/>
-          </a:xfrm>
-        </p:spPr>
-        <p:txBody>
-          <a:bodyPr anchor="ctr">
+        <p:spPr/>
+        <p:txBody>
+          <a:bodyPr>
             <a:normAutofit/>
           </a:bodyPr>
           <a:lstStyle/>
           <a:p>
             <a:r>
-              <a:rPr lang="en-US" sz="2800" b="1" dirty="0">
+              <a:rPr lang="en-US" sz="4000" b="1" dirty="0">
                 <a:latin typeface="Arial" panose="020B0604020202020204" pitchFamily="34" charset="0"/>
                 <a:cs typeface="Arial" panose="020B0604020202020204" pitchFamily="34" charset="0"/>
               </a:rPr>
-              <a:t>Total Riders Per Day for Each Rider Type</a:t>
-            </a:r>
-          </a:p>
-        </p:txBody>
-      </p:sp>
-      <p:pic>
-        <p:nvPicPr>
-          <p:cNvPr id="14" name="Picture Placeholder 13">
-            <a:extLst>
-              <a:ext uri="{FF2B5EF4-FFF2-40B4-BE49-F238E27FC236}">
-                <a16:creationId xmlns:a16="http://schemas.microsoft.com/office/drawing/2014/main" id="{0C4C5B21-0490-20CE-2CCE-FF7A1F9D29E8}"/>
-              </a:ext>
-            </a:extLst>
-          </p:cNvPr>
-          <p:cNvPicPr>
-            <a:picLocks noGrp="1" noChangeAspect="1"/>
-          </p:cNvPicPr>
-          <p:nvPr>
-            <p:ph type="pic" idx="1"/>
-          </p:nvPr>
-        </p:nvPicPr>
-        <p:blipFill>
-          <a:blip r:embed="rId2">
-            <a:extLst>
-              <a:ext uri="{28A0092B-C50C-407E-A947-70E740481C1C}">
-                <a14:useLocalDpi xmlns:a14="http://schemas.microsoft.com/office/drawing/2010/main" val="0"/>
-              </a:ext>
-            </a:extLst>
-          </a:blip>
-          <a:srcRect l="391" r="391"/>
-          <a:stretch/>
-        </p:blipFill>
-        <p:spPr>
-          <a:xfrm>
-            <a:off x="4619625" y="1984375"/>
-            <a:ext cx="7572375" cy="4873625"/>
-          </a:xfrm>
-        </p:spPr>
-      </p:pic>
-      <p:sp>
-        <p:nvSpPr>
-          <p:cNvPr id="12" name="Text Placeholder 11">
-            <a:extLst>
-              <a:ext uri="{FF2B5EF4-FFF2-40B4-BE49-F238E27FC236}">
-                <a16:creationId xmlns:a16="http://schemas.microsoft.com/office/drawing/2014/main" id="{621DE730-63B2-6EFC-2774-5CE40DC9E293}"/>
-              </a:ext>
-            </a:extLst>
-          </p:cNvPr>
-          <p:cNvSpPr>
-            <a:spLocks noGrp="1"/>
-          </p:cNvSpPr>
-          <p:nvPr>
-            <p:ph type="body" sz="half" idx="2"/>
-          </p:nvPr>
-        </p:nvSpPr>
-        <p:spPr>
-          <a:xfrm>
-            <a:off x="326604" y="2515393"/>
-            <a:ext cx="3932237" cy="3811588"/>
-          </a:xfrm>
-        </p:spPr>
-        <p:txBody>
-          <a:bodyPr/>
-          <a:lstStyle/>
-          <a:p>
-            <a:pPr marL="342900" indent="-342900">
-              <a:buFont typeface="Arial" panose="020B0604020202020204" pitchFamily="34" charset="0"/>
-              <a:buChar char="•"/>
-            </a:pPr>
-            <a:r>
-              <a:rPr lang="en-US" dirty="0"/>
-              <a:t>Members ride the most in the middle of the week (Tuesday to Thursday) whereas casual riders use the service mostly on the weekend</a:t>
-            </a:r>
-          </a:p>
-          <a:p>
-            <a:pPr marL="342900" indent="-342900">
-              <a:buFont typeface="Arial" panose="020B0604020202020204" pitchFamily="34" charset="0"/>
-              <a:buChar char="•"/>
-            </a:pPr>
-            <a:endParaRPr lang="en-US" dirty="0"/>
-          </a:p>
-          <a:p>
-            <a:pPr marL="342900" indent="-342900">
-              <a:buFont typeface="Arial" panose="020B0604020202020204" pitchFamily="34" charset="0"/>
-              <a:buChar char="•"/>
-            </a:pPr>
-            <a:r>
-              <a:rPr lang="en-US" dirty="0"/>
-              <a:t>Casual ridership surpasses member ridership on weekends</a:t>
+              <a:t>Differences in Ride Duration</a:t>
             </a:r>
           </a:p>
         </p:txBody>
@@ -5791,7 +5886,7 @@
     </p:spTree>
     <p:extLst>
       <p:ext uri="{BB962C8B-B14F-4D97-AF65-F5344CB8AC3E}">
-        <p14:creationId xmlns:p14="http://schemas.microsoft.com/office/powerpoint/2010/main" val="3355053490"/>
+        <p14:creationId xmlns:p14="http://schemas.microsoft.com/office/powerpoint/2010/main" val="2536138742"/>
       </p:ext>
     </p:extLst>
   </p:cSld>

--- a/analysis_presentation_draft.pptx
+++ b/analysis_presentation_draft.pptx
@@ -3402,7 +3402,12 @@
             <p:ph type="subTitle" idx="1"/>
           </p:nvPr>
         </p:nvSpPr>
-        <p:spPr/>
+        <p:spPr>
+          <a:xfrm>
+            <a:off x="1523999" y="3602038"/>
+            <a:ext cx="9708859" cy="1655762"/>
+          </a:xfrm>
+        </p:spPr>
         <p:txBody>
           <a:bodyPr anchor="t">
             <a:normAutofit/>
